--- a/template/ercis-presentation.pptx
+++ b/template/ercis-presentation.pptx
@@ -5,16 +5,17 @@
     <p:sldMasterId id="2147483648" r:id="rId1"/>
   </p:sldMasterIdLst>
   <p:notesMasterIdLst>
-    <p:notesMasterId r:id="rId6"/>
+    <p:notesMasterId r:id="rId7"/>
   </p:notesMasterIdLst>
   <p:handoutMasterIdLst>
-    <p:handoutMasterId r:id="rId7"/>
+    <p:handoutMasterId r:id="rId8"/>
   </p:handoutMasterIdLst>
   <p:sldIdLst>
     <p:sldId id="266" r:id="rId2"/>
     <p:sldId id="267" r:id="rId3"/>
     <p:sldId id="269" r:id="rId4"/>
-    <p:sldId id="268" r:id="rId5"/>
+    <p:sldId id="270" r:id="rId5"/>
+    <p:sldId id="268" r:id="rId6"/>
   </p:sldIdLst>
   <p:sldSz cx="9144000" cy="6858000" type="screen4x3"/>
   <p:notesSz cx="9926638" cy="6797675"/>
@@ -205,7 +206,7 @@
             <a:fld id="{DD95B663-A359-4E54-8989-6E815F050B49}" type="datetimeFigureOut">
               <a:rPr lang="de-DE" smtClean="0"/>
               <a:pPr/>
-              <a:t>10.05.2013</a:t>
+              <a:t>12.05.2013</a:t>
             </a:fld>
             <a:endParaRPr lang="de-DE" dirty="0"/>
           </a:p>
@@ -373,7 +374,7 @@
             <a:fld id="{6DC243D8-2C9D-447E-8AC2-008C661E1A6F}" type="datetimeFigureOut">
               <a:rPr lang="de-DE" smtClean="0"/>
               <a:pPr/>
-              <a:t>10.05.2013</a:t>
+              <a:t>12.05.2013</a:t>
             </a:fld>
             <a:endParaRPr lang="de-DE" dirty="0"/>
           </a:p>
@@ -4598,6 +4599,126 @@
 </file>
 
 <file path=ppt/slides/slide4.xml><?xml version="1.0" encoding="utf-8"?>
+<p:sld xmlns:a="http://schemas.openxmlformats.org/drawingml/2006/main" xmlns:r="http://schemas.openxmlformats.org/officeDocument/2006/relationships" xmlns:p="http://schemas.openxmlformats.org/presentationml/2006/main">
+  <p:cSld>
+    <p:spTree>
+      <p:nvGrpSpPr>
+        <p:cNvPr id="1" name=""/>
+        <p:cNvGrpSpPr/>
+        <p:nvPr/>
+      </p:nvGrpSpPr>
+      <p:grpSpPr>
+        <a:xfrm>
+          <a:off x="0" y="0"/>
+          <a:ext cx="0" cy="0"/>
+          <a:chOff x="0" y="0"/>
+          <a:chExt cx="0" cy="0"/>
+        </a:xfrm>
+      </p:grpSpPr>
+      <p:sp>
+        <p:nvSpPr>
+          <p:cNvPr id="2" name="Textplatzhalter 1"/>
+          <p:cNvSpPr>
+            <a:spLocks noGrp="1"/>
+          </p:cNvSpPr>
+          <p:nvPr>
+            <p:ph type="body" sz="quarter" idx="16"/>
+          </p:nvPr>
+        </p:nvSpPr>
+        <p:spPr/>
+        <p:txBody>
+          <a:bodyPr/>
+          <a:lstStyle/>
+          <a:p>
+            <a:endParaRPr lang="en-US"/>
+          </a:p>
+        </p:txBody>
+      </p:sp>
+      <p:sp>
+        <p:nvSpPr>
+          <p:cNvPr id="3" name="Textplatzhalter 2"/>
+          <p:cNvSpPr>
+            <a:spLocks noGrp="1"/>
+          </p:cNvSpPr>
+          <p:nvPr>
+            <p:ph type="body" sz="quarter" idx="17"/>
+          </p:nvPr>
+        </p:nvSpPr>
+        <p:spPr/>
+        <p:txBody>
+          <a:bodyPr/>
+          <a:lstStyle/>
+          <a:p>
+            <a:endParaRPr lang="en-US"/>
+          </a:p>
+        </p:txBody>
+      </p:sp>
+      <p:sp>
+        <p:nvSpPr>
+          <p:cNvPr id="4" name="Inhaltsplatzhalter 3"/>
+          <p:cNvSpPr>
+            <a:spLocks noGrp="1"/>
+          </p:cNvSpPr>
+          <p:nvPr>
+            <p:ph sz="quarter" idx="13"/>
+          </p:nvPr>
+        </p:nvSpPr>
+        <p:spPr/>
+        <p:txBody>
+          <a:bodyPr/>
+          <a:lstStyle/>
+          <a:p>
+            <a:r>
+              <a:rPr lang="en-US" dirty="0" smtClean="0"/>
+              <a:t>Left bullet 1</a:t>
+            </a:r>
+          </a:p>
+          <a:p>
+            <a:r>
+              <a:rPr lang="en-US" dirty="0" smtClean="0"/>
+              <a:t>Left bullet 2</a:t>
+            </a:r>
+            <a:endParaRPr lang="en-US" dirty="0"/>
+          </a:p>
+        </p:txBody>
+      </p:sp>
+      <p:sp>
+        <p:nvSpPr>
+          <p:cNvPr id="5" name="Inhaltsplatzhalter 4"/>
+          <p:cNvSpPr>
+            <a:spLocks noGrp="1"/>
+          </p:cNvSpPr>
+          <p:nvPr>
+            <p:ph sz="quarter" idx="18"/>
+          </p:nvPr>
+        </p:nvSpPr>
+        <p:spPr/>
+        <p:txBody>
+          <a:bodyPr/>
+          <a:lstStyle/>
+          <a:p>
+            <a:r>
+              <a:rPr lang="en-US" dirty="0" smtClean="0"/>
+              <a:t>Right bullet 2</a:t>
+            </a:r>
+            <a:endParaRPr lang="en-US" dirty="0"/>
+          </a:p>
+        </p:txBody>
+      </p:sp>
+    </p:spTree>
+    <p:extLst>
+      <p:ext uri="{BB962C8B-B14F-4D97-AF65-F5344CB8AC3E}">
+        <p14:creationId xmlns:p14="http://schemas.microsoft.com/office/powerpoint/2010/main" val="1160514234"/>
+      </p:ext>
+    </p:extLst>
+  </p:cSld>
+  <p:clrMapOvr>
+    <a:masterClrMapping/>
+  </p:clrMapOvr>
+</p:sld>
+</file>
+
+<file path=ppt/slides/slide5.xml><?xml version="1.0" encoding="utf-8"?>
 <p:sld xmlns:a="http://schemas.openxmlformats.org/drawingml/2006/main" xmlns:r="http://schemas.openxmlformats.org/officeDocument/2006/relationships" xmlns:p="http://schemas.openxmlformats.org/presentationml/2006/main">
   <p:cSld>
     <p:spTree>
